--- a/1/MAILRU-GO Лекция 1.pptx
+++ b/1/MAILRU-GO Лекция 1.pptx
@@ -78,9 +78,9 @@
         </a:solidFill>
         <a:effectLst/>
         <a:uFillTx/>
-        <a:latin typeface="+mn-lt"/>
-        <a:ea typeface="+mn-ea"/>
-        <a:cs typeface="+mn-cs"/>
+        <a:latin typeface="+mj-lt"/>
+        <a:ea typeface="+mj-ea"/>
+        <a:cs typeface="+mj-cs"/>
         <a:sym typeface="Arial"/>
       </a:defRPr>
     </a:lvl1pPr>
@@ -108,9 +108,9 @@
         </a:solidFill>
         <a:effectLst/>
         <a:uFillTx/>
-        <a:latin typeface="+mn-lt"/>
-        <a:ea typeface="+mn-ea"/>
-        <a:cs typeface="+mn-cs"/>
+        <a:latin typeface="+mj-lt"/>
+        <a:ea typeface="+mj-ea"/>
+        <a:cs typeface="+mj-cs"/>
         <a:sym typeface="Arial"/>
       </a:defRPr>
     </a:lvl2pPr>
@@ -138,9 +138,9 @@
         </a:solidFill>
         <a:effectLst/>
         <a:uFillTx/>
-        <a:latin typeface="+mn-lt"/>
-        <a:ea typeface="+mn-ea"/>
-        <a:cs typeface="+mn-cs"/>
+        <a:latin typeface="+mj-lt"/>
+        <a:ea typeface="+mj-ea"/>
+        <a:cs typeface="+mj-cs"/>
         <a:sym typeface="Arial"/>
       </a:defRPr>
     </a:lvl3pPr>
@@ -168,9 +168,9 @@
         </a:solidFill>
         <a:effectLst/>
         <a:uFillTx/>
-        <a:latin typeface="+mn-lt"/>
-        <a:ea typeface="+mn-ea"/>
-        <a:cs typeface="+mn-cs"/>
+        <a:latin typeface="+mj-lt"/>
+        <a:ea typeface="+mj-ea"/>
+        <a:cs typeface="+mj-cs"/>
         <a:sym typeface="Arial"/>
       </a:defRPr>
     </a:lvl4pPr>
@@ -198,9 +198,9 @@
         </a:solidFill>
         <a:effectLst/>
         <a:uFillTx/>
-        <a:latin typeface="+mn-lt"/>
-        <a:ea typeface="+mn-ea"/>
-        <a:cs typeface="+mn-cs"/>
+        <a:latin typeface="+mj-lt"/>
+        <a:ea typeface="+mj-ea"/>
+        <a:cs typeface="+mj-cs"/>
         <a:sym typeface="Arial"/>
       </a:defRPr>
     </a:lvl5pPr>
@@ -228,9 +228,9 @@
         </a:solidFill>
         <a:effectLst/>
         <a:uFillTx/>
-        <a:latin typeface="+mn-lt"/>
-        <a:ea typeface="+mn-ea"/>
-        <a:cs typeface="+mn-cs"/>
+        <a:latin typeface="+mj-lt"/>
+        <a:ea typeface="+mj-ea"/>
+        <a:cs typeface="+mj-cs"/>
         <a:sym typeface="Arial"/>
       </a:defRPr>
     </a:lvl6pPr>
@@ -258,9 +258,9 @@
         </a:solidFill>
         <a:effectLst/>
         <a:uFillTx/>
-        <a:latin typeface="+mn-lt"/>
-        <a:ea typeface="+mn-ea"/>
-        <a:cs typeface="+mn-cs"/>
+        <a:latin typeface="+mj-lt"/>
+        <a:ea typeface="+mj-ea"/>
+        <a:cs typeface="+mj-cs"/>
         <a:sym typeface="Arial"/>
       </a:defRPr>
     </a:lvl7pPr>
@@ -288,9 +288,9 @@
         </a:solidFill>
         <a:effectLst/>
         <a:uFillTx/>
-        <a:latin typeface="+mn-lt"/>
-        <a:ea typeface="+mn-ea"/>
-        <a:cs typeface="+mn-cs"/>
+        <a:latin typeface="+mj-lt"/>
+        <a:ea typeface="+mj-ea"/>
+        <a:cs typeface="+mj-cs"/>
         <a:sym typeface="Arial"/>
       </a:defRPr>
     </a:lvl8pPr>
@@ -318,9 +318,9 @@
         </a:solidFill>
         <a:effectLst/>
         <a:uFillTx/>
-        <a:latin typeface="+mn-lt"/>
-        <a:ea typeface="+mn-ea"/>
-        <a:cs typeface="+mn-cs"/>
+        <a:latin typeface="+mj-lt"/>
+        <a:ea typeface="+mj-ea"/>
+        <a:cs typeface="+mj-cs"/>
         <a:sym typeface="Arial"/>
       </a:defRPr>
     </a:lvl9pPr>
@@ -405,73 +405,73 @@
   <p:notesStyle>
     <a:lvl1pPr latinLnBrk="0">
       <a:defRPr sz="1400">
-        <a:latin typeface="+mn-lt"/>
-        <a:ea typeface="+mn-ea"/>
-        <a:cs typeface="+mn-cs"/>
+        <a:latin typeface="+mj-lt"/>
+        <a:ea typeface="+mj-ea"/>
+        <a:cs typeface="+mj-cs"/>
         <a:sym typeface="Arial"/>
       </a:defRPr>
     </a:lvl1pPr>
     <a:lvl2pPr indent="228600" latinLnBrk="0">
       <a:defRPr sz="1400">
-        <a:latin typeface="+mn-lt"/>
-        <a:ea typeface="+mn-ea"/>
-        <a:cs typeface="+mn-cs"/>
+        <a:latin typeface="+mj-lt"/>
+        <a:ea typeface="+mj-ea"/>
+        <a:cs typeface="+mj-cs"/>
         <a:sym typeface="Arial"/>
       </a:defRPr>
     </a:lvl2pPr>
     <a:lvl3pPr indent="457200" latinLnBrk="0">
       <a:defRPr sz="1400">
-        <a:latin typeface="+mn-lt"/>
-        <a:ea typeface="+mn-ea"/>
-        <a:cs typeface="+mn-cs"/>
+        <a:latin typeface="+mj-lt"/>
+        <a:ea typeface="+mj-ea"/>
+        <a:cs typeface="+mj-cs"/>
         <a:sym typeface="Arial"/>
       </a:defRPr>
     </a:lvl3pPr>
     <a:lvl4pPr indent="685800" latinLnBrk="0">
       <a:defRPr sz="1400">
-        <a:latin typeface="+mn-lt"/>
-        <a:ea typeface="+mn-ea"/>
-        <a:cs typeface="+mn-cs"/>
+        <a:latin typeface="+mj-lt"/>
+        <a:ea typeface="+mj-ea"/>
+        <a:cs typeface="+mj-cs"/>
         <a:sym typeface="Arial"/>
       </a:defRPr>
     </a:lvl4pPr>
     <a:lvl5pPr indent="914400" latinLnBrk="0">
       <a:defRPr sz="1400">
-        <a:latin typeface="+mn-lt"/>
-        <a:ea typeface="+mn-ea"/>
-        <a:cs typeface="+mn-cs"/>
+        <a:latin typeface="+mj-lt"/>
+        <a:ea typeface="+mj-ea"/>
+        <a:cs typeface="+mj-cs"/>
         <a:sym typeface="Arial"/>
       </a:defRPr>
     </a:lvl5pPr>
     <a:lvl6pPr indent="1143000" latinLnBrk="0">
       <a:defRPr sz="1400">
-        <a:latin typeface="+mn-lt"/>
-        <a:ea typeface="+mn-ea"/>
-        <a:cs typeface="+mn-cs"/>
+        <a:latin typeface="+mj-lt"/>
+        <a:ea typeface="+mj-ea"/>
+        <a:cs typeface="+mj-cs"/>
         <a:sym typeface="Arial"/>
       </a:defRPr>
     </a:lvl6pPr>
     <a:lvl7pPr indent="1371600" latinLnBrk="0">
       <a:defRPr sz="1400">
-        <a:latin typeface="+mn-lt"/>
-        <a:ea typeface="+mn-ea"/>
-        <a:cs typeface="+mn-cs"/>
+        <a:latin typeface="+mj-lt"/>
+        <a:ea typeface="+mj-ea"/>
+        <a:cs typeface="+mj-cs"/>
         <a:sym typeface="Arial"/>
       </a:defRPr>
     </a:lvl7pPr>
     <a:lvl8pPr indent="1600200" latinLnBrk="0">
       <a:defRPr sz="1400">
-        <a:latin typeface="+mn-lt"/>
-        <a:ea typeface="+mn-ea"/>
-        <a:cs typeface="+mn-cs"/>
+        <a:latin typeface="+mj-lt"/>
+        <a:ea typeface="+mj-ea"/>
+        <a:cs typeface="+mj-cs"/>
         <a:sym typeface="Arial"/>
       </a:defRPr>
     </a:lvl8pPr>
     <a:lvl9pPr indent="1828800" latinLnBrk="0">
       <a:defRPr sz="1400">
-        <a:latin typeface="+mn-lt"/>
-        <a:ea typeface="+mn-ea"/>
-        <a:cs typeface="+mn-cs"/>
+        <a:latin typeface="+mj-lt"/>
+        <a:ea typeface="+mj-ea"/>
+        <a:cs typeface="+mj-cs"/>
         <a:sym typeface="Arial"/>
       </a:defRPr>
     </a:lvl9pPr>
@@ -506,8 +506,8 @@
         </p:nvSpPr>
         <p:spPr>
           <a:xfrm>
-            <a:off x="311708" y="744574"/>
-            <a:ext cx="8520601" cy="2052601"/>
+            <a:off x="311708" y="744573"/>
+            <a:ext cx="8520601" cy="2052603"/>
           </a:xfrm>
           <a:prstGeom prst="rect">
             <a:avLst/>
@@ -538,8 +538,8 @@
         </p:nvSpPr>
         <p:spPr>
           <a:xfrm>
-            <a:off x="311699" y="2834125"/>
-            <a:ext cx="8520602" cy="792601"/>
+            <a:off x="311698" y="2834125"/>
+            <a:ext cx="8520603" cy="792602"/>
           </a:xfrm>
           <a:prstGeom prst="rect">
             <a:avLst/>
@@ -548,7 +548,7 @@
         <p:txBody>
           <a:bodyPr/>
           <a:lstStyle>
-            <a:lvl1pPr marL="342900" indent="-228600" algn="ctr">
+            <a:lvl1pPr marL="228600" indent="-114300" algn="ctr">
               <a:lnSpc>
                 <a:spcPct val="100000"/>
               </a:lnSpc>
@@ -558,7 +558,7 @@
               <a:buNone/>
               <a:defRPr sz="2800"/>
             </a:lvl1pPr>
-            <a:lvl2pPr marL="342900" indent="254000" algn="ctr">
+            <a:lvl2pPr marL="228600" indent="114300" algn="ctr">
               <a:lnSpc>
                 <a:spcPct val="100000"/>
               </a:lnSpc>
@@ -568,7 +568,7 @@
               <a:buNone/>
               <a:defRPr sz="2800"/>
             </a:lvl2pPr>
-            <a:lvl3pPr marL="342900" indent="711200" algn="ctr">
+            <a:lvl3pPr marL="228600" indent="114300" algn="ctr">
               <a:lnSpc>
                 <a:spcPct val="100000"/>
               </a:lnSpc>
@@ -578,7 +578,7 @@
               <a:buNone/>
               <a:defRPr sz="2800"/>
             </a:lvl3pPr>
-            <a:lvl4pPr marL="342900" indent="1168400" algn="ctr">
+            <a:lvl4pPr marL="228600" indent="114300" algn="ctr">
               <a:lnSpc>
                 <a:spcPct val="100000"/>
               </a:lnSpc>
@@ -588,7 +588,7 @@
               <a:buNone/>
               <a:defRPr sz="2800"/>
             </a:lvl4pPr>
-            <a:lvl5pPr marL="342900" indent="1625600" algn="ctr">
+            <a:lvl5pPr marL="228600" indent="114300" algn="ctr">
               <a:lnSpc>
                 <a:spcPct val="100000"/>
               </a:lnSpc>
@@ -689,8 +689,8 @@
         </p:nvSpPr>
         <p:spPr>
           <a:xfrm>
-            <a:off x="311699" y="1106125"/>
-            <a:ext cx="8520602" cy="1963500"/>
+            <a:off x="311698" y="1106125"/>
+            <a:ext cx="8520603" cy="1963500"/>
           </a:xfrm>
           <a:prstGeom prst="rect">
             <a:avLst/>
@@ -721,8 +721,8 @@
         </p:nvSpPr>
         <p:spPr>
           <a:xfrm>
-            <a:off x="311699" y="3152225"/>
-            <a:ext cx="8520602" cy="1300800"/>
+            <a:off x="311698" y="3152225"/>
+            <a:ext cx="8520603" cy="1300800"/>
           </a:xfrm>
           <a:prstGeom prst="rect">
             <a:avLst/>
@@ -875,8 +875,8 @@
         </p:nvSpPr>
         <p:spPr>
           <a:xfrm>
-            <a:off x="311699" y="2150849"/>
-            <a:ext cx="8520602" cy="841801"/>
+            <a:off x="311698" y="2150848"/>
+            <a:ext cx="8520603" cy="841802"/>
           </a:xfrm>
           <a:prstGeom prst="rect">
             <a:avLst/>
@@ -1099,8 +1099,8 @@
         </p:nvSpPr>
         <p:spPr>
           <a:xfrm>
-            <a:off x="311699" y="1152475"/>
-            <a:ext cx="3999902" cy="3416400"/>
+            <a:off x="311698" y="1152475"/>
+            <a:ext cx="3999903" cy="3416400"/>
           </a:xfrm>
           <a:prstGeom prst="rect">
             <a:avLst/>
@@ -1172,8 +1172,8 @@
         </p:nvSpPr>
         <p:spPr>
           <a:xfrm>
-            <a:off x="4832399" y="1152475"/>
-            <a:ext cx="3999902" cy="3416400"/>
+            <a:off x="4832398" y="1152475"/>
+            <a:ext cx="3999903" cy="3416400"/>
           </a:xfrm>
           <a:prstGeom prst="rect">
             <a:avLst/>
@@ -1183,10 +1183,7 @@
           <a:bodyPr/>
           <a:lstStyle/>
           <a:p>
-            <a:pPr indent="-317500">
-              <a:buSzPts val="1400"/>
-              <a:defRPr sz="1400"/>
-            </a:pPr>
+            <a:pPr/>
           </a:p>
         </p:txBody>
       </p:sp>
@@ -1320,8 +1317,8 @@
         </p:nvSpPr>
         <p:spPr>
           <a:xfrm>
-            <a:off x="311699" y="555600"/>
-            <a:ext cx="2808001" cy="755700"/>
+            <a:off x="311698" y="555600"/>
+            <a:ext cx="2808003" cy="755700"/>
           </a:xfrm>
           <a:prstGeom prst="rect">
             <a:avLst/>
@@ -1352,8 +1349,8 @@
         </p:nvSpPr>
         <p:spPr>
           <a:xfrm>
-            <a:off x="311699" y="1389599"/>
-            <a:ext cx="2808001" cy="3179401"/>
+            <a:off x="311698" y="1389598"/>
+            <a:ext cx="2808003" cy="3179403"/>
           </a:xfrm>
           <a:prstGeom prst="rect">
             <a:avLst/>
@@ -1473,8 +1470,8 @@
         </p:nvSpPr>
         <p:spPr>
           <a:xfrm>
-            <a:off x="490250" y="450149"/>
-            <a:ext cx="6367801" cy="4090801"/>
+            <a:off x="490250" y="450148"/>
+            <a:ext cx="6367801" cy="4090803"/>
           </a:xfrm>
           <a:prstGeom prst="rect">
             <a:avLst/>
@@ -1551,8 +1548,8 @@
         </p:nvSpPr>
         <p:spPr>
           <a:xfrm>
-            <a:off x="4572000" y="-125"/>
-            <a:ext cx="4572000" cy="5143501"/>
+            <a:off x="4572000" y="-126"/>
+            <a:ext cx="4572000" cy="5143503"/>
           </a:xfrm>
           <a:prstGeom prst="rect">
             <a:avLst/>
@@ -1583,7 +1580,7 @@
         <p:spPr>
           <a:xfrm>
             <a:off x="265500" y="1233175"/>
-            <a:ext cx="4045200" cy="1482301"/>
+            <a:ext cx="4045200" cy="1482302"/>
           </a:xfrm>
           <a:prstGeom prst="rect">
             <a:avLst/>
@@ -1624,7 +1621,7 @@
         <p:txBody>
           <a:bodyPr/>
           <a:lstStyle>
-            <a:lvl1pPr marL="342900" indent="-228600" algn="ctr">
+            <a:lvl1pPr marL="228600" indent="-114300" algn="ctr">
               <a:lnSpc>
                 <a:spcPct val="100000"/>
               </a:lnSpc>
@@ -1634,7 +1631,7 @@
               <a:buNone/>
               <a:defRPr sz="2100"/>
             </a:lvl1pPr>
-            <a:lvl2pPr marL="342900" indent="254000" algn="ctr">
+            <a:lvl2pPr marL="228600" indent="114300" algn="ctr">
               <a:lnSpc>
                 <a:spcPct val="100000"/>
               </a:lnSpc>
@@ -1644,7 +1641,7 @@
               <a:buNone/>
               <a:defRPr sz="2100"/>
             </a:lvl2pPr>
-            <a:lvl3pPr marL="342900" indent="711200" algn="ctr">
+            <a:lvl3pPr marL="228600" indent="114300" algn="ctr">
               <a:lnSpc>
                 <a:spcPct val="100000"/>
               </a:lnSpc>
@@ -1654,7 +1651,7 @@
               <a:buNone/>
               <a:defRPr sz="2100"/>
             </a:lvl3pPr>
-            <a:lvl4pPr marL="342900" indent="1168400" algn="ctr">
+            <a:lvl4pPr marL="228600" indent="114300" algn="ctr">
               <a:lnSpc>
                 <a:spcPct val="100000"/>
               </a:lnSpc>
@@ -1664,7 +1661,7 @@
               <a:buNone/>
               <a:defRPr sz="2100"/>
             </a:lvl4pPr>
-            <a:lvl5pPr marL="342900" indent="1625600" algn="ctr">
+            <a:lvl5pPr marL="228600" indent="114300" algn="ctr">
               <a:lnSpc>
                 <a:spcPct val="100000"/>
               </a:lnSpc>
@@ -1718,7 +1715,7 @@
         <p:spPr>
           <a:xfrm>
             <a:off x="4939500" y="724074"/>
-            <a:ext cx="3837000" cy="3695102"/>
+            <a:ext cx="3837000" cy="3695103"/>
           </a:xfrm>
           <a:prstGeom prst="rect">
             <a:avLst/>
@@ -1790,8 +1787,8 @@
         </p:nvSpPr>
         <p:spPr>
           <a:xfrm>
-            <a:off x="311699" y="4230575"/>
-            <a:ext cx="5998802" cy="605101"/>
+            <a:off x="311698" y="4230575"/>
+            <a:ext cx="5998804" cy="605102"/>
           </a:xfrm>
           <a:prstGeom prst="rect">
             <a:avLst/>
@@ -1800,7 +1797,7 @@
         <p:txBody>
           <a:bodyPr anchor="ctr"/>
           <a:lstStyle>
-            <a:lvl1pPr marL="228600" indent="0">
+            <a:lvl1pPr marL="0" indent="228600">
               <a:lnSpc>
                 <a:spcPct val="100000"/>
               </a:lnSpc>
@@ -1935,8 +1932,8 @@
         </p:nvSpPr>
         <p:spPr>
           <a:xfrm>
-            <a:off x="311699" y="445025"/>
-            <a:ext cx="8520602" cy="572701"/>
+            <a:off x="311698" y="445025"/>
+            <a:ext cx="8520603" cy="572702"/>
           </a:xfrm>
           <a:prstGeom prst="rect">
             <a:avLst/>
@@ -1951,7 +1948,7 @@
           </a:extLst>
         </p:spPr>
         <p:txBody>
-          <a:bodyPr lIns="91424" tIns="91424" rIns="91424" bIns="91424">
+          <a:bodyPr lIns="91423" tIns="91423" rIns="91423" bIns="91423">
             <a:normAutofit fontScale="100000" lnSpcReduction="0"/>
           </a:bodyPr>
           <a:lstStyle/>
@@ -1973,8 +1970,8 @@
         </p:nvSpPr>
         <p:spPr>
           <a:xfrm>
-            <a:off x="311699" y="1152475"/>
-            <a:ext cx="8520602" cy="3416400"/>
+            <a:off x="311698" y="1152475"/>
+            <a:ext cx="8520603" cy="3416400"/>
           </a:xfrm>
           <a:prstGeom prst="rect">
             <a:avLst/>
@@ -1989,7 +1986,7 @@
           </a:extLst>
         </p:spPr>
         <p:txBody>
-          <a:bodyPr lIns="91424" tIns="91424" rIns="91424" bIns="91424">
+          <a:bodyPr lIns="91423" tIns="91423" rIns="91423" bIns="91423">
             <a:normAutofit fontScale="100000" lnSpcReduction="0"/>
           </a:bodyPr>
           <a:lstStyle/>
@@ -2035,8 +2032,8 @@
         </p:nvSpPr>
         <p:spPr>
           <a:xfrm>
-            <a:off x="8684345" y="4700819"/>
-            <a:ext cx="336813" cy="318396"/>
+            <a:off x="8684347" y="4700820"/>
+            <a:ext cx="336812" cy="318394"/>
           </a:xfrm>
           <a:prstGeom prst="rect">
             <a:avLst/>
@@ -2046,16 +2043,14 @@
           </a:ln>
         </p:spPr>
         <p:txBody>
-          <a:bodyPr wrap="none" lIns="91424" tIns="91424" rIns="91424" bIns="91424" anchor="ctr">
+          <a:bodyPr wrap="none" lIns="91423" tIns="91423" rIns="91423" bIns="91423" anchor="ctr">
             <a:normAutofit fontScale="100000" lnSpcReduction="0"/>
           </a:bodyPr>
           <a:lstStyle>
             <a:lvl1pPr algn="r">
               <a:defRPr sz="1000">
                 <a:solidFill>
-                  <a:schemeClr val="accent2">
-                    <a:lumOff val="21764"/>
-                  </a:schemeClr>
+                  <a:srgbClr val="585858"/>
                 </a:solidFill>
               </a:defRPr>
             </a:lvl1pPr>
@@ -2105,9 +2100,9 @@
             <a:srgbClr val="000000"/>
           </a:solidFill>
           <a:uFillTx/>
-          <a:latin typeface="+mn-lt"/>
-          <a:ea typeface="+mn-ea"/>
-          <a:cs typeface="+mn-cs"/>
+          <a:latin typeface="+mj-lt"/>
+          <a:ea typeface="+mj-ea"/>
+          <a:cs typeface="+mj-cs"/>
           <a:sym typeface="Arial"/>
         </a:defRPr>
       </a:lvl1pPr>
@@ -2131,9 +2126,9 @@
             <a:srgbClr val="000000"/>
           </a:solidFill>
           <a:uFillTx/>
-          <a:latin typeface="+mn-lt"/>
-          <a:ea typeface="+mn-ea"/>
-          <a:cs typeface="+mn-cs"/>
+          <a:latin typeface="+mj-lt"/>
+          <a:ea typeface="+mj-ea"/>
+          <a:cs typeface="+mj-cs"/>
           <a:sym typeface="Arial"/>
         </a:defRPr>
       </a:lvl2pPr>
@@ -2157,9 +2152,9 @@
             <a:srgbClr val="000000"/>
           </a:solidFill>
           <a:uFillTx/>
-          <a:latin typeface="+mn-lt"/>
-          <a:ea typeface="+mn-ea"/>
-          <a:cs typeface="+mn-cs"/>
+          <a:latin typeface="+mj-lt"/>
+          <a:ea typeface="+mj-ea"/>
+          <a:cs typeface="+mj-cs"/>
           <a:sym typeface="Arial"/>
         </a:defRPr>
       </a:lvl3pPr>
@@ -2183,9 +2178,9 @@
             <a:srgbClr val="000000"/>
           </a:solidFill>
           <a:uFillTx/>
-          <a:latin typeface="+mn-lt"/>
-          <a:ea typeface="+mn-ea"/>
-          <a:cs typeface="+mn-cs"/>
+          <a:latin typeface="+mj-lt"/>
+          <a:ea typeface="+mj-ea"/>
+          <a:cs typeface="+mj-cs"/>
           <a:sym typeface="Arial"/>
         </a:defRPr>
       </a:lvl4pPr>
@@ -2209,9 +2204,9 @@
             <a:srgbClr val="000000"/>
           </a:solidFill>
           <a:uFillTx/>
-          <a:latin typeface="+mn-lt"/>
-          <a:ea typeface="+mn-ea"/>
-          <a:cs typeface="+mn-cs"/>
+          <a:latin typeface="+mj-lt"/>
+          <a:ea typeface="+mj-ea"/>
+          <a:cs typeface="+mj-cs"/>
           <a:sym typeface="Arial"/>
         </a:defRPr>
       </a:lvl5pPr>
@@ -2235,9 +2230,9 @@
             <a:srgbClr val="000000"/>
           </a:solidFill>
           <a:uFillTx/>
-          <a:latin typeface="+mn-lt"/>
-          <a:ea typeface="+mn-ea"/>
-          <a:cs typeface="+mn-cs"/>
+          <a:latin typeface="+mj-lt"/>
+          <a:ea typeface="+mj-ea"/>
+          <a:cs typeface="+mj-cs"/>
           <a:sym typeface="Arial"/>
         </a:defRPr>
       </a:lvl6pPr>
@@ -2261,9 +2256,9 @@
             <a:srgbClr val="000000"/>
           </a:solidFill>
           <a:uFillTx/>
-          <a:latin typeface="+mn-lt"/>
-          <a:ea typeface="+mn-ea"/>
-          <a:cs typeface="+mn-cs"/>
+          <a:latin typeface="+mj-lt"/>
+          <a:ea typeface="+mj-ea"/>
+          <a:cs typeface="+mj-cs"/>
           <a:sym typeface="Arial"/>
         </a:defRPr>
       </a:lvl7pPr>
@@ -2287,9 +2282,9 @@
             <a:srgbClr val="000000"/>
           </a:solidFill>
           <a:uFillTx/>
-          <a:latin typeface="+mn-lt"/>
-          <a:ea typeface="+mn-ea"/>
-          <a:cs typeface="+mn-cs"/>
+          <a:latin typeface="+mj-lt"/>
+          <a:ea typeface="+mj-ea"/>
+          <a:cs typeface="+mj-cs"/>
           <a:sym typeface="Arial"/>
         </a:defRPr>
       </a:lvl8pPr>
@@ -2313,9 +2308,9 @@
             <a:srgbClr val="000000"/>
           </a:solidFill>
           <a:uFillTx/>
-          <a:latin typeface="+mn-lt"/>
-          <a:ea typeface="+mn-ea"/>
-          <a:cs typeface="+mn-cs"/>
+          <a:latin typeface="+mj-lt"/>
+          <a:ea typeface="+mj-ea"/>
+          <a:cs typeface="+mj-cs"/>
           <a:sym typeface="Arial"/>
         </a:defRPr>
       </a:lvl9pPr>
@@ -2332,9 +2327,7 @@
           <a:spcPts val="0"/>
         </a:spcAft>
         <a:buClr>
-          <a:schemeClr val="accent2">
-            <a:lumOff val="21764"/>
-          </a:schemeClr>
+          <a:srgbClr val="585858"/>
         </a:buClr>
         <a:buSzPts val="1800"/>
         <a:buFont typeface="Arial"/>
@@ -2342,18 +2335,16 @@
         <a:tabLst/>
         <a:defRPr b="0" baseline="0" cap="none" i="0" spc="0" strike="noStrike" sz="1800" u="none">
           <a:solidFill>
-            <a:schemeClr val="accent2">
-              <a:lumOff val="21764"/>
-            </a:schemeClr>
+            <a:srgbClr val="585858"/>
           </a:solidFill>
           <a:uFillTx/>
-          <a:latin typeface="+mn-lt"/>
-          <a:ea typeface="+mn-ea"/>
-          <a:cs typeface="+mn-cs"/>
+          <a:latin typeface="+mj-lt"/>
+          <a:ea typeface="+mj-ea"/>
+          <a:cs typeface="+mj-cs"/>
           <a:sym typeface="Arial"/>
         </a:defRPr>
       </a:lvl1pPr>
-      <a:lvl2pPr marL="1005114" marR="0" indent="-408214" algn="l" defTabSz="914400" rtl="0" latinLnBrk="0">
+      <a:lvl2pPr marL="1005114" marR="0" indent="-408213" algn="l" defTabSz="914400" rtl="0" latinLnBrk="0">
         <a:lnSpc>
           <a:spcPct val="115000"/>
         </a:lnSpc>
@@ -2364,9 +2355,7 @@
           <a:spcPts val="0"/>
         </a:spcAft>
         <a:buClr>
-          <a:schemeClr val="accent2">
-            <a:lumOff val="21764"/>
-          </a:schemeClr>
+          <a:srgbClr val="585858"/>
         </a:buClr>
         <a:buSzPts val="1800"/>
         <a:buFont typeface="Arial"/>
@@ -2374,14 +2363,12 @@
         <a:tabLst/>
         <a:defRPr b="0" baseline="0" cap="none" i="0" spc="0" strike="noStrike" sz="1800" u="none">
           <a:solidFill>
-            <a:schemeClr val="accent2">
-              <a:lumOff val="21764"/>
-            </a:schemeClr>
+            <a:srgbClr val="585858"/>
           </a:solidFill>
           <a:uFillTx/>
-          <a:latin typeface="+mn-lt"/>
-          <a:ea typeface="+mn-ea"/>
-          <a:cs typeface="+mn-cs"/>
+          <a:latin typeface="+mj-lt"/>
+          <a:ea typeface="+mj-ea"/>
+          <a:cs typeface="+mj-cs"/>
           <a:sym typeface="Arial"/>
         </a:defRPr>
       </a:lvl2pPr>
@@ -2396,9 +2383,7 @@
           <a:spcPts val="0"/>
         </a:spcAft>
         <a:buClr>
-          <a:schemeClr val="accent2">
-            <a:lumOff val="21764"/>
-          </a:schemeClr>
+          <a:srgbClr val="585858"/>
         </a:buClr>
         <a:buSzPts val="1800"/>
         <a:buFont typeface="Arial"/>
@@ -2406,14 +2391,12 @@
         <a:tabLst/>
         <a:defRPr b="0" baseline="0" cap="none" i="0" spc="0" strike="noStrike" sz="1800" u="none">
           <a:solidFill>
-            <a:schemeClr val="accent2">
-              <a:lumOff val="21764"/>
-            </a:schemeClr>
+            <a:srgbClr val="585858"/>
           </a:solidFill>
           <a:uFillTx/>
-          <a:latin typeface="+mn-lt"/>
-          <a:ea typeface="+mn-ea"/>
-          <a:cs typeface="+mn-cs"/>
+          <a:latin typeface="+mj-lt"/>
+          <a:ea typeface="+mj-ea"/>
+          <a:cs typeface="+mj-cs"/>
           <a:sym typeface="Arial"/>
         </a:defRPr>
       </a:lvl3pPr>
@@ -2428,9 +2411,7 @@
           <a:spcPts val="0"/>
         </a:spcAft>
         <a:buClr>
-          <a:schemeClr val="accent2">
-            <a:lumOff val="21764"/>
-          </a:schemeClr>
+          <a:srgbClr val="585858"/>
         </a:buClr>
         <a:buSzPts val="1800"/>
         <a:buFont typeface="Arial"/>
@@ -2438,14 +2419,12 @@
         <a:tabLst/>
         <a:defRPr b="0" baseline="0" cap="none" i="0" spc="0" strike="noStrike" sz="1800" u="none">
           <a:solidFill>
-            <a:schemeClr val="accent2">
-              <a:lumOff val="21764"/>
-            </a:schemeClr>
+            <a:srgbClr val="585858"/>
           </a:solidFill>
           <a:uFillTx/>
-          <a:latin typeface="+mn-lt"/>
-          <a:ea typeface="+mn-ea"/>
-          <a:cs typeface="+mn-cs"/>
+          <a:latin typeface="+mj-lt"/>
+          <a:ea typeface="+mj-ea"/>
+          <a:cs typeface="+mj-cs"/>
           <a:sym typeface="Arial"/>
         </a:defRPr>
       </a:lvl4pPr>
@@ -2460,9 +2439,7 @@
           <a:spcPts val="0"/>
         </a:spcAft>
         <a:buClr>
-          <a:schemeClr val="accent2">
-            <a:lumOff val="21764"/>
-          </a:schemeClr>
+          <a:srgbClr val="585858"/>
         </a:buClr>
         <a:buSzPts val="1800"/>
         <a:buFont typeface="Arial"/>
@@ -2470,14 +2447,12 @@
         <a:tabLst/>
         <a:defRPr b="0" baseline="0" cap="none" i="0" spc="0" strike="noStrike" sz="1800" u="none">
           <a:solidFill>
-            <a:schemeClr val="accent2">
-              <a:lumOff val="21764"/>
-            </a:schemeClr>
+            <a:srgbClr val="585858"/>
           </a:solidFill>
           <a:uFillTx/>
-          <a:latin typeface="+mn-lt"/>
-          <a:ea typeface="+mn-ea"/>
-          <a:cs typeface="+mn-cs"/>
+          <a:latin typeface="+mj-lt"/>
+          <a:ea typeface="+mj-ea"/>
+          <a:cs typeface="+mj-cs"/>
           <a:sym typeface="Arial"/>
         </a:defRPr>
       </a:lvl5pPr>
@@ -2492,9 +2467,7 @@
           <a:spcPts val="0"/>
         </a:spcAft>
         <a:buClr>
-          <a:schemeClr val="accent2">
-            <a:lumOff val="21764"/>
-          </a:schemeClr>
+          <a:srgbClr val="585858"/>
         </a:buClr>
         <a:buSzPts val="1800"/>
         <a:buFont typeface="Arial"/>
@@ -2502,18 +2475,16 @@
         <a:tabLst/>
         <a:defRPr b="0" baseline="0" cap="none" i="0" spc="0" strike="noStrike" sz="1800" u="none">
           <a:solidFill>
-            <a:schemeClr val="accent2">
-              <a:lumOff val="21764"/>
-            </a:schemeClr>
+            <a:srgbClr val="585858"/>
           </a:solidFill>
           <a:uFillTx/>
-          <a:latin typeface="+mn-lt"/>
-          <a:ea typeface="+mn-ea"/>
-          <a:cs typeface="+mn-cs"/>
+          <a:latin typeface="+mj-lt"/>
+          <a:ea typeface="+mj-ea"/>
+          <a:cs typeface="+mj-cs"/>
           <a:sym typeface="Arial"/>
         </a:defRPr>
       </a:lvl6pPr>
-      <a:lvl7pPr marL="3291114" marR="0" indent="-408214" algn="l" defTabSz="914400" rtl="0" latinLnBrk="0">
+      <a:lvl7pPr marL="3291113" marR="0" indent="-408214" algn="l" defTabSz="914400" rtl="0" latinLnBrk="0">
         <a:lnSpc>
           <a:spcPct val="115000"/>
         </a:lnSpc>
@@ -2524,9 +2495,7 @@
           <a:spcPts val="0"/>
         </a:spcAft>
         <a:buClr>
-          <a:schemeClr val="accent2">
-            <a:lumOff val="21764"/>
-          </a:schemeClr>
+          <a:srgbClr val="585858"/>
         </a:buClr>
         <a:buSzPts val="1800"/>
         <a:buFont typeface="Arial"/>
@@ -2534,18 +2503,16 @@
         <a:tabLst/>
         <a:defRPr b="0" baseline="0" cap="none" i="0" spc="0" strike="noStrike" sz="1800" u="none">
           <a:solidFill>
-            <a:schemeClr val="accent2">
-              <a:lumOff val="21764"/>
-            </a:schemeClr>
+            <a:srgbClr val="585858"/>
           </a:solidFill>
           <a:uFillTx/>
-          <a:latin typeface="+mn-lt"/>
-          <a:ea typeface="+mn-ea"/>
-          <a:cs typeface="+mn-cs"/>
+          <a:latin typeface="+mj-lt"/>
+          <a:ea typeface="+mj-ea"/>
+          <a:cs typeface="+mj-cs"/>
           <a:sym typeface="Arial"/>
         </a:defRPr>
       </a:lvl7pPr>
-      <a:lvl8pPr marL="3748314" marR="0" indent="-408214" algn="l" defTabSz="914400" rtl="0" latinLnBrk="0">
+      <a:lvl8pPr marL="3748313" marR="0" indent="-408213" algn="l" defTabSz="914400" rtl="0" latinLnBrk="0">
         <a:lnSpc>
           <a:spcPct val="115000"/>
         </a:lnSpc>
@@ -2556,9 +2523,7 @@
           <a:spcPts val="0"/>
         </a:spcAft>
         <a:buClr>
-          <a:schemeClr val="accent2">
-            <a:lumOff val="21764"/>
-          </a:schemeClr>
+          <a:srgbClr val="585858"/>
         </a:buClr>
         <a:buSzPts val="1800"/>
         <a:buFont typeface="Arial"/>
@@ -2566,18 +2531,16 @@
         <a:tabLst/>
         <a:defRPr b="0" baseline="0" cap="none" i="0" spc="0" strike="noStrike" sz="1800" u="none">
           <a:solidFill>
-            <a:schemeClr val="accent2">
-              <a:lumOff val="21764"/>
-            </a:schemeClr>
+            <a:srgbClr val="585858"/>
           </a:solidFill>
           <a:uFillTx/>
-          <a:latin typeface="+mn-lt"/>
-          <a:ea typeface="+mn-ea"/>
-          <a:cs typeface="+mn-cs"/>
+          <a:latin typeface="+mj-lt"/>
+          <a:ea typeface="+mj-ea"/>
+          <a:cs typeface="+mj-cs"/>
           <a:sym typeface="Arial"/>
         </a:defRPr>
       </a:lvl8pPr>
-      <a:lvl9pPr marL="4205514" marR="0" indent="-408214" algn="l" defTabSz="914400" rtl="0" latinLnBrk="0">
+      <a:lvl9pPr marL="4205513" marR="0" indent="-408213" algn="l" defTabSz="914400" rtl="0" latinLnBrk="0">
         <a:lnSpc>
           <a:spcPct val="115000"/>
         </a:lnSpc>
@@ -2588,9 +2551,7 @@
           <a:spcPts val="0"/>
         </a:spcAft>
         <a:buClr>
-          <a:schemeClr val="accent2">
-            <a:lumOff val="21764"/>
-          </a:schemeClr>
+          <a:srgbClr val="585858"/>
         </a:buClr>
         <a:buSzPts val="1800"/>
         <a:buFont typeface="Arial"/>
@@ -2598,14 +2559,12 @@
         <a:tabLst/>
         <a:defRPr b="0" baseline="0" cap="none" i="0" spc="0" strike="noStrike" sz="1800" u="none">
           <a:solidFill>
-            <a:schemeClr val="accent2">
-              <a:lumOff val="21764"/>
-            </a:schemeClr>
+            <a:srgbClr val="585858"/>
           </a:solidFill>
           <a:uFillTx/>
-          <a:latin typeface="+mn-lt"/>
-          <a:ea typeface="+mn-ea"/>
-          <a:cs typeface="+mn-cs"/>
+          <a:latin typeface="+mj-lt"/>
+          <a:ea typeface="+mj-ea"/>
+          <a:cs typeface="+mj-cs"/>
           <a:sym typeface="Arial"/>
         </a:defRPr>
       </a:lvl9pPr>
@@ -2878,7 +2837,7 @@
         <p:spPr>
           <a:xfrm>
             <a:off x="311707" y="744575"/>
-            <a:ext cx="8520602" cy="2052599"/>
+            <a:ext cx="8520602" cy="2052598"/>
           </a:xfrm>
           <a:prstGeom prst="rect">
             <a:avLst/>
@@ -2932,7 +2891,7 @@
         <p:spPr>
           <a:xfrm>
             <a:off x="311699" y="445025"/>
-            <a:ext cx="8520602" cy="572701"/>
+            <a:ext cx="8520602" cy="572702"/>
           </a:xfrm>
           <a:prstGeom prst="rect">
             <a:avLst/>
@@ -2964,7 +2923,7 @@
         <p:spPr>
           <a:xfrm>
             <a:off x="5123674" y="4793950"/>
-            <a:ext cx="4020301" cy="349501"/>
+            <a:ext cx="4020302" cy="349502"/>
           </a:xfrm>
           <a:prstGeom prst="rect">
             <a:avLst/>
@@ -2984,6 +2943,21 @@
               <a:buNone/>
               <a:defRPr sz="1100" u="sng">
                 <a:solidFill>
+                  <a:srgbClr val="0000FF"/>
+                </a:solidFill>
+                <a:uFill>
+                  <a:solidFill>
+                    <a:srgbClr val="0000FF"/>
+                  </a:solidFill>
+                </a:uFill>
+                <a:hlinkClick r:id="rId2" invalidUrl="" action="" tgtFrame="" tooltip="" history="1" highlightClick="0" endSnd="0"/>
+              </a:defRPr>
+            </a:lvl1pPr>
+          </a:lstStyle>
+          <a:p>
+            <a:pPr>
+              <a:defRPr>
+                <a:solidFill>
                   <a:schemeClr val="accent5"/>
                 </a:solidFill>
                 <a:uFill>
@@ -2991,21 +2965,16 @@
                     <a:schemeClr val="accent5"/>
                   </a:solidFill>
                 </a:uFill>
-                <a:hlinkClick r:id="rId2" invalidUrl="" action="" tgtFrame="" tooltip="" history="1" highlightClick="0" endSnd="0"/>
-              </a:defRPr>
-            </a:lvl1pPr>
-          </a:lstStyle>
-          <a:p>
-            <a:pPr>
-              <a:defRPr>
-                <a:uFillTx/>
               </a:defRPr>
             </a:pPr>
             <a:r>
               <a:rPr>
+                <a:solidFill>
+                  <a:srgbClr val="0000FF"/>
+                </a:solidFill>
                 <a:uFill>
                   <a:solidFill>
-                    <a:schemeClr val="accent5"/>
+                    <a:srgbClr val="0000FF"/>
                   </a:solidFill>
                 </a:uFill>
                 <a:hlinkClick r:id="rId2" invalidUrl="" action="" tgtFrame="" tooltip="" history="1" highlightClick="0" endSnd="0"/>
@@ -3034,7 +3003,7 @@
         <p:spPr>
           <a:xfrm>
             <a:off x="1829086" y="1176412"/>
-            <a:ext cx="5485824" cy="3458851"/>
+            <a:ext cx="5485825" cy="3458851"/>
           </a:xfrm>
           <a:prstGeom prst="rect">
             <a:avLst/>
@@ -3081,7 +3050,7 @@
         <p:spPr>
           <a:xfrm>
             <a:off x="311699" y="445025"/>
-            <a:ext cx="8520602" cy="572701"/>
+            <a:ext cx="8520602" cy="572702"/>
           </a:xfrm>
           <a:prstGeom prst="rect">
             <a:avLst/>
@@ -3163,7 +3132,7 @@
         <p:spPr>
           <a:xfrm>
             <a:off x="311699" y="4629074"/>
-            <a:ext cx="7893902" cy="355666"/>
+            <a:ext cx="7893902" cy="355663"/>
           </a:xfrm>
           <a:prstGeom prst="rect">
             <a:avLst/>
@@ -3178,7 +3147,7 @@
           </a:extLst>
         </p:spPr>
         <p:txBody>
-          <a:bodyPr lIns="91424" tIns="91424" rIns="91424" bIns="91424">
+          <a:bodyPr lIns="91423" tIns="91423" rIns="91423" bIns="91423">
             <a:spAutoFit/>
           </a:bodyPr>
           <a:lstStyle/>
@@ -3196,11 +3165,11 @@
             <a:r>
               <a:rPr u="sng">
                 <a:solidFill>
-                  <a:schemeClr val="accent5"/>
+                  <a:srgbClr val="0000FF"/>
                 </a:solidFill>
                 <a:uFill>
                   <a:solidFill>
-                    <a:schemeClr val="accent5"/>
+                    <a:srgbClr val="0000FF"/>
                   </a:solidFill>
                 </a:uFill>
                 <a:hlinkClick r:id="rId2" invalidUrl="" action="" tgtFrame="" tooltip="" history="1" highlightClick="0" endSnd="0"/>
@@ -3247,7 +3216,7 @@
         <p:spPr>
           <a:xfrm>
             <a:off x="311699" y="445025"/>
-            <a:ext cx="8520602" cy="572701"/>
+            <a:ext cx="8520602" cy="572702"/>
           </a:xfrm>
           <a:prstGeom prst="rect">
             <a:avLst/>
@@ -3366,7 +3335,7 @@
         <p:spPr>
           <a:xfrm>
             <a:off x="311699" y="445025"/>
-            <a:ext cx="8520602" cy="572701"/>
+            <a:ext cx="8520602" cy="572702"/>
           </a:xfrm>
           <a:prstGeom prst="rect">
             <a:avLst/>
@@ -3500,7 +3469,7 @@
         <p:spPr>
           <a:xfrm>
             <a:off x="311699" y="445025"/>
-            <a:ext cx="8520602" cy="572701"/>
+            <a:ext cx="8520602" cy="572702"/>
           </a:xfrm>
           <a:prstGeom prst="rect">
             <a:avLst/>
@@ -3597,7 +3566,7 @@
         <p:spPr>
           <a:xfrm>
             <a:off x="342425" y="4705174"/>
-            <a:ext cx="7305000" cy="380235"/>
+            <a:ext cx="7305000" cy="380232"/>
           </a:xfrm>
           <a:prstGeom prst="rect">
             <a:avLst/>
@@ -3612,7 +3581,7 @@
           </a:extLst>
         </p:spPr>
         <p:txBody>
-          <a:bodyPr lIns="91424" tIns="91424" rIns="91424" bIns="91424">
+          <a:bodyPr lIns="91423" tIns="91423" rIns="91423" bIns="91423">
             <a:spAutoFit/>
           </a:bodyPr>
           <a:lstStyle>
@@ -3669,7 +3638,7 @@
         <p:spPr>
           <a:xfrm>
             <a:off x="311699" y="445025"/>
-            <a:ext cx="8520602" cy="572701"/>
+            <a:ext cx="8520602" cy="572702"/>
           </a:xfrm>
           <a:prstGeom prst="rect">
             <a:avLst/>
@@ -3779,7 +3748,7 @@
         <p:spPr>
           <a:xfrm>
             <a:off x="311699" y="445025"/>
-            <a:ext cx="8520602" cy="572701"/>
+            <a:ext cx="8520602" cy="572702"/>
           </a:xfrm>
           <a:prstGeom prst="rect">
             <a:avLst/>
@@ -3859,8 +3828,8 @@
           <p:nvPr/>
         </p:nvGraphicFramePr>
         <p:xfrm>
-          <a:off x="1028600" y="1645674"/>
-          <a:ext cx="7239001" cy="381001"/>
+          <a:off x="1028600" y="1645673"/>
+          <a:ext cx="7239001" cy="381002"/>
         </p:xfrm>
         <a:graphic xmlns:a="http://schemas.openxmlformats.org/drawingml/2006/main">
           <a:graphicData uri="http://schemas.openxmlformats.org/drawingml/2006/table">
@@ -4094,7 +4063,7 @@
         </p:nvGraphicFramePr>
         <p:xfrm>
           <a:off x="1028600" y="3586274"/>
-          <a:ext cx="7239001" cy="381001"/>
+          <a:ext cx="7239001" cy="381002"/>
         </p:xfrm>
         <a:graphic xmlns:a="http://schemas.openxmlformats.org/drawingml/2006/main">
           <a:graphicData uri="http://schemas.openxmlformats.org/drawingml/2006/table">
@@ -4357,7 +4326,7 @@
         <p:spPr>
           <a:xfrm>
             <a:off x="311707" y="744575"/>
-            <a:ext cx="8520602" cy="2052599"/>
+            <a:ext cx="8520602" cy="2052598"/>
           </a:xfrm>
           <a:prstGeom prst="rect">
             <a:avLst/>
@@ -4411,7 +4380,7 @@
         <p:spPr>
           <a:xfrm>
             <a:off x="311707" y="744575"/>
-            <a:ext cx="8520602" cy="2052599"/>
+            <a:ext cx="8520602" cy="2052598"/>
           </a:xfrm>
           <a:prstGeom prst="rect">
             <a:avLst/>
@@ -4436,8 +4405,8 @@
         </p:nvSpPr>
         <p:spPr>
           <a:xfrm>
-            <a:off x="2351549" y="2797175"/>
-            <a:ext cx="4440902" cy="380234"/>
+            <a:off x="2351548" y="2797174"/>
+            <a:ext cx="4440903" cy="380233"/>
           </a:xfrm>
           <a:prstGeom prst="rect">
             <a:avLst/>
@@ -4452,7 +4421,7 @@
           </a:extLst>
         </p:spPr>
         <p:txBody>
-          <a:bodyPr lIns="91424" tIns="91424" rIns="91424" bIns="91424">
+          <a:bodyPr lIns="91423" tIns="91423" rIns="91423" bIns="91423">
             <a:spAutoFit/>
           </a:bodyPr>
           <a:lstStyle/>
@@ -4501,7 +4470,7 @@
         <p:spPr>
           <a:xfrm>
             <a:off x="311699" y="445025"/>
-            <a:ext cx="8520602" cy="572701"/>
+            <a:ext cx="8520602" cy="572702"/>
           </a:xfrm>
           <a:prstGeom prst="rect">
             <a:avLst/>
@@ -4540,8 +4509,8 @@
         </p:blipFill>
         <p:spPr>
           <a:xfrm>
-            <a:off x="825362" y="1176223"/>
-            <a:ext cx="2062251" cy="2062251"/>
+            <a:off x="825362" y="1176222"/>
+            <a:ext cx="2062252" cy="2062253"/>
           </a:xfrm>
           <a:prstGeom prst="rect">
             <a:avLst/>
@@ -4569,8 +4538,8 @@
         </p:blipFill>
         <p:spPr>
           <a:xfrm>
-            <a:off x="3530362" y="1176223"/>
-            <a:ext cx="2062251" cy="2062251"/>
+            <a:off x="3530362" y="1176222"/>
+            <a:ext cx="2062252" cy="2062253"/>
           </a:xfrm>
           <a:prstGeom prst="rect">
             <a:avLst/>
@@ -4589,7 +4558,7 @@
         <p:spPr>
           <a:xfrm>
             <a:off x="6346237" y="3830515"/>
-            <a:ext cx="1840501" cy="711265"/>
+            <a:ext cx="1840502" cy="711263"/>
           </a:xfrm>
           <a:prstGeom prst="rect">
             <a:avLst/>
@@ -4604,7 +4573,7 @@
           </a:extLst>
         </p:spPr>
         <p:txBody>
-          <a:bodyPr lIns="91424" tIns="91424" rIns="91424" bIns="91424">
+          <a:bodyPr lIns="91423" tIns="91423" rIns="91423" bIns="91423">
             <a:spAutoFit/>
           </a:bodyPr>
           <a:lstStyle>
@@ -4629,7 +4598,7 @@
         <p:spPr>
           <a:xfrm>
             <a:off x="6235362" y="3430315"/>
-            <a:ext cx="2062251" cy="380234"/>
+            <a:ext cx="2062252" cy="380232"/>
           </a:xfrm>
           <a:prstGeom prst="rect">
             <a:avLst/>
@@ -4644,7 +4613,7 @@
           </a:extLst>
         </p:spPr>
         <p:txBody>
-          <a:bodyPr lIns="91424" tIns="91424" rIns="91424" bIns="91424">
+          <a:bodyPr lIns="91423" tIns="91423" rIns="91423" bIns="91423">
             <a:spAutoFit/>
           </a:bodyPr>
           <a:lstStyle>
@@ -4666,8 +4635,8 @@
         </p:nvSpPr>
         <p:spPr>
           <a:xfrm>
-            <a:off x="862287" y="3877648"/>
-            <a:ext cx="1988401" cy="533465"/>
+            <a:off x="862287" y="3877647"/>
+            <a:ext cx="1988400" cy="533464"/>
           </a:xfrm>
           <a:prstGeom prst="rect">
             <a:avLst/>
@@ -4682,7 +4651,7 @@
           </a:extLst>
         </p:spPr>
         <p:txBody>
-          <a:bodyPr lIns="91424" tIns="91424" rIns="91424" bIns="91424">
+          <a:bodyPr lIns="91423" tIns="91423" rIns="91423" bIns="91423">
             <a:spAutoFit/>
           </a:bodyPr>
           <a:lstStyle>
@@ -4706,8 +4675,8 @@
         </p:nvSpPr>
         <p:spPr>
           <a:xfrm>
-            <a:off x="1130037" y="3443248"/>
-            <a:ext cx="1384801" cy="380234"/>
+            <a:off x="1130037" y="3443247"/>
+            <a:ext cx="1384802" cy="380233"/>
           </a:xfrm>
           <a:prstGeom prst="rect">
             <a:avLst/>
@@ -4722,7 +4691,7 @@
           </a:extLst>
         </p:spPr>
         <p:txBody>
-          <a:bodyPr lIns="91424" tIns="91424" rIns="91424" bIns="91424">
+          <a:bodyPr lIns="91423" tIns="91423" rIns="91423" bIns="91423">
             <a:spAutoFit/>
           </a:bodyPr>
           <a:lstStyle/>
@@ -4742,8 +4711,8 @@
         </p:nvSpPr>
         <p:spPr>
           <a:xfrm>
-            <a:off x="3684137" y="3877648"/>
-            <a:ext cx="1754701" cy="889065"/>
+            <a:off x="3684137" y="3877647"/>
+            <a:ext cx="1754702" cy="711264"/>
           </a:xfrm>
           <a:prstGeom prst="rect">
             <a:avLst/>
@@ -4758,7 +4727,7 @@
           </a:extLst>
         </p:spPr>
         <p:txBody>
-          <a:bodyPr lIns="91424" tIns="91424" rIns="91424" bIns="91424">
+          <a:bodyPr lIns="91423" tIns="91423" rIns="91423" bIns="91423">
             <a:spAutoFit/>
           </a:bodyPr>
           <a:lstStyle>
@@ -4782,8 +4751,8 @@
         </p:nvSpPr>
         <p:spPr>
           <a:xfrm>
-            <a:off x="3800987" y="3443248"/>
-            <a:ext cx="1521001" cy="380234"/>
+            <a:off x="3800986" y="3443247"/>
+            <a:ext cx="1521003" cy="380233"/>
           </a:xfrm>
           <a:prstGeom prst="rect">
             <a:avLst/>
@@ -4798,7 +4767,7 @@
           </a:extLst>
         </p:spPr>
         <p:txBody>
-          <a:bodyPr lIns="91424" tIns="91424" rIns="91424" bIns="91424">
+          <a:bodyPr lIns="91423" tIns="91423" rIns="91423" bIns="91423">
             <a:spAutoFit/>
           </a:bodyPr>
           <a:lstStyle/>
@@ -4812,9 +4781,9 @@
       </p:sp>
       <p:pic>
         <p:nvPicPr>
-          <p:cNvPr id="125" name="Вероника Персиянова.png" descr="Вероника Персиянова.png"/>
+          <p:cNvPr id="125" name="IMG_8546.jpg" descr="IMG_8546.jpg"/>
           <p:cNvPicPr>
-            <a:picLocks noChangeAspect="1"/>
+            <a:picLocks noChangeAspect="0"/>
           </p:cNvPicPr>
           <p:nvPr/>
         </p:nvPicPr>
@@ -4822,14 +4791,15 @@
           <a:blip r:embed="rId4">
             <a:extLst/>
           </a:blip>
+          <a:srcRect l="1952" t="2928" r="19799" b="38650"/>
           <a:stretch>
             <a:fillRect/>
           </a:stretch>
         </p:blipFill>
         <p:spPr>
           <a:xfrm>
-            <a:off x="6256475" y="1173846"/>
-            <a:ext cx="2062251" cy="2062251"/>
+            <a:off x="6229850" y="1175473"/>
+            <a:ext cx="2073259" cy="2063882"/>
           </a:xfrm>
           <a:prstGeom prst="rect">
             <a:avLst/>
@@ -4876,7 +4846,7 @@
         <p:spPr>
           <a:xfrm>
             <a:off x="311699" y="445025"/>
-            <a:ext cx="8520602" cy="572701"/>
+            <a:ext cx="8520602" cy="572702"/>
           </a:xfrm>
           <a:prstGeom prst="rect">
             <a:avLst/>
@@ -4988,7 +4958,7 @@
         <p:spPr>
           <a:xfrm>
             <a:off x="311699" y="445025"/>
-            <a:ext cx="8520602" cy="572701"/>
+            <a:ext cx="8520602" cy="572702"/>
           </a:xfrm>
           <a:prstGeom prst="rect">
             <a:avLst/>
@@ -5088,7 +5058,7 @@
         <p:spPr>
           <a:xfrm>
             <a:off x="5029525" y="152400"/>
-            <a:ext cx="3468603" cy="4838699"/>
+            <a:ext cx="3468604" cy="4838699"/>
           </a:xfrm>
           <a:prstGeom prst="rect">
             <a:avLst/>
@@ -5107,7 +5077,7 @@
         <p:spPr>
           <a:xfrm>
             <a:off x="311700" y="4796275"/>
-            <a:ext cx="4071000" cy="329701"/>
+            <a:ext cx="4071000" cy="329702"/>
           </a:xfrm>
           <a:prstGeom prst="rect">
             <a:avLst/>
@@ -5122,7 +5092,7 @@
           </a:extLst>
         </p:spPr>
         <p:txBody>
-          <a:bodyPr lIns="91424" tIns="91424" rIns="91424" bIns="91424">
+          <a:bodyPr lIns="91423" tIns="91423" rIns="91423" bIns="91423">
             <a:normAutofit fontScale="100000" lnSpcReduction="0"/>
           </a:bodyPr>
           <a:lstStyle>
@@ -5135,6 +5105,21 @@
               </a:spcBef>
               <a:defRPr sz="900" u="sng">
                 <a:solidFill>
+                  <a:srgbClr val="0000FF"/>
+                </a:solidFill>
+                <a:uFill>
+                  <a:solidFill>
+                    <a:srgbClr val="0000FF"/>
+                  </a:solidFill>
+                </a:uFill>
+                <a:hlinkClick r:id="rId4" invalidUrl="" action="" tgtFrame="" tooltip="" history="1" highlightClick="0" endSnd="0"/>
+              </a:defRPr>
+            </a:lvl1pPr>
+          </a:lstStyle>
+          <a:p>
+            <a:pPr>
+              <a:defRPr>
+                <a:solidFill>
                   <a:schemeClr val="accent5"/>
                 </a:solidFill>
                 <a:uFill>
@@ -5142,21 +5127,16 @@
                     <a:schemeClr val="accent5"/>
                   </a:solidFill>
                 </a:uFill>
-                <a:hlinkClick r:id="rId4" invalidUrl="" action="" tgtFrame="" tooltip="" history="1" highlightClick="0" endSnd="0"/>
-              </a:defRPr>
-            </a:lvl1pPr>
-          </a:lstStyle>
-          <a:p>
-            <a:pPr>
-              <a:defRPr>
-                <a:uFillTx/>
               </a:defRPr>
             </a:pPr>
             <a:r>
               <a:rPr>
+                <a:solidFill>
+                  <a:srgbClr val="0000FF"/>
+                </a:solidFill>
                 <a:uFill>
                   <a:solidFill>
-                    <a:schemeClr val="accent5"/>
+                    <a:srgbClr val="0000FF"/>
                   </a:solidFill>
                 </a:uFill>
                 <a:hlinkClick r:id="rId4" invalidUrl="" action="" tgtFrame="" tooltip="" history="1" highlightClick="0" endSnd="0"/>
@@ -5203,7 +5183,7 @@
         <p:spPr>
           <a:xfrm>
             <a:off x="311699" y="445025"/>
-            <a:ext cx="8520602" cy="572701"/>
+            <a:ext cx="8520602" cy="572702"/>
           </a:xfrm>
           <a:prstGeom prst="rect">
             <a:avLst/>
@@ -5353,32 +5333,40 @@
           <a:bodyPr/>
           <a:lstStyle/>
           <a:p>
-            <a:pPr marL="0" indent="0" defTabSz="877823">
+            <a:pPr marL="0" indent="0" defTabSz="877822">
               <a:lnSpc>
                 <a:spcPct val="103500"/>
               </a:lnSpc>
               <a:buSzTx/>
               <a:buNone/>
-              <a:defRPr sz="1152" u="sng">
+              <a:defRPr sz="1100" u="sng">
                 <a:solidFill>
                   <a:schemeClr val="accent5"/>
                 </a:solidFill>
-              </a:defRPr>
-            </a:pPr>
-            <a:r>
-              <a:rPr>
                 <a:uFill>
                   <a:solidFill>
                     <a:schemeClr val="accent5"/>
                   </a:solidFill>
                 </a:uFill>
+              </a:defRPr>
+            </a:pPr>
+            <a:r>
+              <a:rPr>
+                <a:solidFill>
+                  <a:srgbClr val="0000FF"/>
+                </a:solidFill>
+                <a:uFill>
+                  <a:solidFill>
+                    <a:srgbClr val="0000FF"/>
+                  </a:solidFill>
+                </a:uFill>
                 <a:hlinkClick r:id="rId2" invalidUrl="" action="" tgtFrame="" tooltip="" history="1" highlightClick="0" endSnd="0"/>
               </a:rPr>
               <a:t>https://github.com/golang/go/wiki/GoUsers#russia</a:t>
             </a:r>
           </a:p>
           <a:p>
-            <a:pPr marL="438911" indent="-279806" defTabSz="877823">
+            <a:pPr marL="438911" indent="-279806" defTabSz="877822">
               <a:lnSpc>
                 <a:spcPct val="103500"/>
               </a:lnSpc>
@@ -5386,199 +5374,199 @@
                 <a:spcPts val="1100"/>
               </a:spcBef>
               <a:buSzPct val="100000"/>
-              <a:defRPr sz="1152"/>
+              <a:defRPr sz="1100"/>
             </a:pPr>
             <a:r>
               <a:t>2GIS</a:t>
             </a:r>
           </a:p>
           <a:p>
-            <a:pPr marL="438911" indent="-279806" defTabSz="877823">
+            <a:pPr marL="438911" indent="-279806" defTabSz="877822">
               <a:lnSpc>
                 <a:spcPct val="103500"/>
               </a:lnSpc>
               <a:buSzPct val="100000"/>
-              <a:defRPr sz="1152"/>
+              <a:defRPr sz="1100"/>
             </a:pPr>
             <a:r>
               <a:t>Acronis</a:t>
             </a:r>
           </a:p>
           <a:p>
-            <a:pPr marL="438911" indent="-279806" defTabSz="877823">
+            <a:pPr marL="438911" indent="-279806" defTabSz="877822">
               <a:lnSpc>
                 <a:spcPct val="103500"/>
               </a:lnSpc>
               <a:buSzPct val="100000"/>
-              <a:defRPr sz="1152"/>
+              <a:defRPr sz="1100"/>
             </a:pPr>
             <a:r>
               <a:t>avito.ru</a:t>
             </a:r>
           </a:p>
           <a:p>
-            <a:pPr marL="438911" indent="-279806" defTabSz="877823">
+            <a:pPr marL="438911" indent="-279806" defTabSz="877822">
               <a:lnSpc>
                 <a:spcPct val="103500"/>
               </a:lnSpc>
               <a:buSzPct val="100000"/>
-              <a:defRPr sz="1152"/>
+              <a:defRPr sz="1100"/>
             </a:pPr>
             <a:r>
               <a:t>Gett</a:t>
             </a:r>
           </a:p>
           <a:p>
-            <a:pPr marL="438911" indent="-279806" defTabSz="877823">
+            <a:pPr marL="438911" indent="-279806" defTabSz="877822">
               <a:lnSpc>
                 <a:spcPct val="103500"/>
               </a:lnSpc>
               <a:buSzPct val="100000"/>
-              <a:defRPr sz="1152"/>
+              <a:defRPr sz="1100"/>
             </a:pPr>
             <a:r>
               <a:t>ITooLabs</a:t>
             </a:r>
           </a:p>
           <a:p>
-            <a:pPr marL="438911" indent="-279806" defTabSz="877823">
+            <a:pPr marL="438911" indent="-279806" defTabSz="877822">
               <a:lnSpc>
                 <a:spcPct val="103500"/>
               </a:lnSpc>
               <a:buSzPct val="100000"/>
-              <a:defRPr sz="1152"/>
+              <a:defRPr sz="1100"/>
             </a:pPr>
             <a:r>
               <a:t>Izvestia</a:t>
             </a:r>
           </a:p>
           <a:p>
-            <a:pPr marL="438911" indent="-279806" defTabSz="877823">
+            <a:pPr marL="438911" indent="-279806" defTabSz="877822">
               <a:lnSpc>
                 <a:spcPct val="103500"/>
               </a:lnSpc>
               <a:buSzPct val="100000"/>
-              <a:defRPr sz="1152"/>
+              <a:defRPr sz="1100"/>
             </a:pPr>
             <a:r>
               <a:t>iSpring</a:t>
             </a:r>
           </a:p>
           <a:p>
-            <a:pPr marL="438911" indent="-279806" defTabSz="877823">
+            <a:pPr marL="438911" indent="-279806" defTabSz="877822">
               <a:lnSpc>
                 <a:spcPct val="103500"/>
               </a:lnSpc>
               <a:buSzPct val="100000"/>
-              <a:defRPr sz="1152"/>
+              <a:defRPr sz="1100"/>
             </a:pPr>
             <a:r>
               <a:t>Mail.ru</a:t>
             </a:r>
           </a:p>
           <a:p>
-            <a:pPr marL="438911" indent="-279806" defTabSz="877823">
+            <a:pPr marL="438911" indent="-279806" defTabSz="877822">
               <a:lnSpc>
                 <a:spcPct val="103500"/>
               </a:lnSpc>
               <a:buSzPct val="100000"/>
-              <a:defRPr sz="1152"/>
+              <a:defRPr sz="1100"/>
             </a:pPr>
             <a:r>
               <a:t>mc² software</a:t>
             </a:r>
           </a:p>
           <a:p>
-            <a:pPr marL="438911" indent="-279806" defTabSz="877823">
+            <a:pPr marL="438911" indent="-279806" defTabSz="877822">
               <a:lnSpc>
                 <a:spcPct val="103500"/>
               </a:lnSpc>
               <a:buSzPct val="100000"/>
-              <a:defRPr sz="1152"/>
+              <a:defRPr sz="1100"/>
             </a:pPr>
             <a:r>
               <a:t>OZON.ru</a:t>
             </a:r>
           </a:p>
           <a:p>
-            <a:pPr marL="438911" indent="-279806" defTabSz="877823">
+            <a:pPr marL="438911" indent="-279806" defTabSz="877822">
               <a:lnSpc>
                 <a:spcPct val="103500"/>
               </a:lnSpc>
               <a:buSzPct val="100000"/>
-              <a:defRPr sz="1152"/>
+              <a:defRPr sz="1100"/>
             </a:pPr>
             <a:r>
               <a:t>Positive Technologies</a:t>
             </a:r>
           </a:p>
           <a:p>
-            <a:pPr marL="438911" indent="-279806" defTabSz="877823">
+            <a:pPr marL="438911" indent="-279806" defTabSz="877822">
               <a:lnSpc>
                 <a:spcPct val="103500"/>
               </a:lnSpc>
               <a:buSzPct val="100000"/>
-              <a:defRPr sz="1152"/>
+              <a:defRPr sz="1100"/>
             </a:pPr>
             <a:r>
               <a:t>PostmanQ - High performance Mail Transfer Agent (MTA)</a:t>
             </a:r>
           </a:p>
           <a:p>
-            <a:pPr marL="438911" indent="-279806" defTabSz="877823">
+            <a:pPr marL="438911" indent="-279806" defTabSz="877822">
               <a:lnSpc>
                 <a:spcPct val="103500"/>
               </a:lnSpc>
               <a:buSzPct val="100000"/>
-              <a:defRPr sz="1152"/>
+              <a:defRPr sz="1100"/>
             </a:pPr>
             <a:r>
               <a:t>ThetaPad</a:t>
             </a:r>
           </a:p>
           <a:p>
-            <a:pPr marL="438911" indent="-279806" defTabSz="877823">
+            <a:pPr marL="438911" indent="-279806" defTabSz="877822">
               <a:lnSpc>
                 <a:spcPct val="103500"/>
               </a:lnSpc>
               <a:buSzPct val="100000"/>
-              <a:defRPr sz="1152"/>
+              <a:defRPr sz="1100"/>
             </a:pPr>
             <a:r>
               <a:t>Tinkoff</a:t>
             </a:r>
           </a:p>
           <a:p>
-            <a:pPr marL="438911" indent="-279806" defTabSz="877823">
+            <a:pPr marL="438911" indent="-279806" defTabSz="877822">
               <a:lnSpc>
                 <a:spcPct val="103500"/>
               </a:lnSpc>
               <a:buSzPct val="100000"/>
-              <a:defRPr sz="1152"/>
+              <a:defRPr sz="1100"/>
             </a:pPr>
             <a:r>
               <a:t>Tochka</a:t>
             </a:r>
           </a:p>
           <a:p>
-            <a:pPr marL="438911" indent="-279806" defTabSz="877823">
+            <a:pPr marL="438911" indent="-279806" defTabSz="877822">
               <a:lnSpc>
                 <a:spcPct val="103500"/>
               </a:lnSpc>
               <a:buSzPct val="100000"/>
-              <a:defRPr sz="1152"/>
+              <a:defRPr sz="1100"/>
             </a:pPr>
             <a:r>
               <a:t>TRY.FIT</a:t>
             </a:r>
           </a:p>
           <a:p>
-            <a:pPr marL="438911" indent="-279806" defTabSz="877823">
+            <a:pPr marL="438911" indent="-279806" defTabSz="877822">
               <a:lnSpc>
                 <a:spcPct val="103500"/>
               </a:lnSpc>
               <a:buSzPct val="100000"/>
-              <a:defRPr sz="1152"/>
+              <a:defRPr sz="1100"/>
             </a:pPr>
             <a:r>
               <a:t>VK.COM</a:t>
@@ -5597,7 +5585,7 @@
         <p:spPr>
           <a:xfrm>
             <a:off x="311699" y="445025"/>
-            <a:ext cx="8520602" cy="572701"/>
+            <a:ext cx="8520602" cy="572702"/>
           </a:xfrm>
           <a:prstGeom prst="rect">
             <a:avLst/>
@@ -5642,7 +5630,7 @@
           </a:extLst>
         </p:spPr>
         <p:txBody>
-          <a:bodyPr lIns="91424" tIns="91424" rIns="91424" bIns="91424">
+          <a:bodyPr lIns="91423" tIns="91423" rIns="91423" bIns="91423">
             <a:normAutofit fontScale="100000" lnSpcReduction="0"/>
           </a:bodyPr>
           <a:lstStyle/>
@@ -5652,18 +5640,14 @@
                 <a:spcPct val="115000"/>
               </a:lnSpc>
               <a:buClr>
-                <a:schemeClr val="accent2">
-                  <a:lumOff val="21764"/>
-                </a:schemeClr>
+                <a:srgbClr val="585858"/>
               </a:buClr>
               <a:buSzPts val="1800"/>
               <a:buFont typeface="Arial"/>
               <a:buChar char="●"/>
               <a:defRPr sz="1800">
                 <a:solidFill>
-                  <a:schemeClr val="accent2">
-                    <a:lumOff val="21764"/>
-                  </a:schemeClr>
+                  <a:srgbClr val="585858"/>
                 </a:solidFill>
               </a:defRPr>
             </a:pPr>
@@ -5677,18 +5661,14 @@
                 <a:spcPct val="115000"/>
               </a:lnSpc>
               <a:buClr>
-                <a:schemeClr val="accent2">
-                  <a:lumOff val="21764"/>
-                </a:schemeClr>
+                <a:srgbClr val="585858"/>
               </a:buClr>
               <a:buSzPts val="1800"/>
               <a:buFont typeface="Arial"/>
               <a:buChar char="●"/>
               <a:defRPr sz="1800">
                 <a:solidFill>
-                  <a:schemeClr val="accent2">
-                    <a:lumOff val="21764"/>
-                  </a:schemeClr>
+                  <a:srgbClr val="585858"/>
                 </a:solidFill>
               </a:defRPr>
             </a:pPr>
@@ -5702,18 +5682,14 @@
                 <a:spcPct val="115000"/>
               </a:lnSpc>
               <a:buClr>
-                <a:schemeClr val="accent2">
-                  <a:lumOff val="21764"/>
-                </a:schemeClr>
+                <a:srgbClr val="585858"/>
               </a:buClr>
               <a:buSzPts val="1800"/>
               <a:buFont typeface="Arial"/>
               <a:buChar char="●"/>
               <a:defRPr sz="1800">
                 <a:solidFill>
-                  <a:schemeClr val="accent2">
-                    <a:lumOff val="21764"/>
-                  </a:schemeClr>
+                  <a:srgbClr val="585858"/>
                 </a:solidFill>
               </a:defRPr>
             </a:pPr>
@@ -5727,18 +5703,14 @@
                 <a:spcPct val="115000"/>
               </a:lnSpc>
               <a:buClr>
-                <a:schemeClr val="accent2">
-                  <a:lumOff val="21764"/>
-                </a:schemeClr>
+                <a:srgbClr val="585858"/>
               </a:buClr>
               <a:buSzPts val="1800"/>
               <a:buFont typeface="Arial"/>
               <a:buChar char="●"/>
               <a:defRPr sz="1800">
                 <a:solidFill>
-                  <a:schemeClr val="accent2">
-                    <a:lumOff val="21764"/>
-                  </a:schemeClr>
+                  <a:srgbClr val="585858"/>
                 </a:solidFill>
               </a:defRPr>
             </a:pPr>
@@ -5752,18 +5724,14 @@
                 <a:spcPct val="115000"/>
               </a:lnSpc>
               <a:buClr>
-                <a:schemeClr val="accent2">
-                  <a:lumOff val="21764"/>
-                </a:schemeClr>
+                <a:srgbClr val="585858"/>
               </a:buClr>
               <a:buSzPts val="1800"/>
               <a:buFont typeface="Arial"/>
               <a:buChar char="●"/>
               <a:defRPr sz="1800">
                 <a:solidFill>
-                  <a:schemeClr val="accent2">
-                    <a:lumOff val="21764"/>
-                  </a:schemeClr>
+                  <a:srgbClr val="585858"/>
                 </a:solidFill>
               </a:defRPr>
             </a:pPr>
@@ -5777,18 +5745,14 @@
                 <a:spcPct val="115000"/>
               </a:lnSpc>
               <a:buClr>
-                <a:schemeClr val="accent2">
-                  <a:lumOff val="21764"/>
-                </a:schemeClr>
+                <a:srgbClr val="585858"/>
               </a:buClr>
               <a:buSzPts val="1800"/>
               <a:buFont typeface="Arial"/>
               <a:buChar char="●"/>
               <a:defRPr sz="1800">
                 <a:solidFill>
-                  <a:schemeClr val="accent2">
-                    <a:lumOff val="21764"/>
-                  </a:schemeClr>
+                  <a:srgbClr val="585858"/>
                 </a:solidFill>
               </a:defRPr>
             </a:pPr>
@@ -5802,18 +5766,14 @@
                 <a:spcPct val="115000"/>
               </a:lnSpc>
               <a:buClr>
-                <a:schemeClr val="accent2">
-                  <a:lumOff val="21764"/>
-                </a:schemeClr>
+                <a:srgbClr val="585858"/>
               </a:buClr>
               <a:buSzPts val="1800"/>
               <a:buFont typeface="Arial"/>
               <a:buChar char="●"/>
               <a:defRPr sz="1800">
                 <a:solidFill>
-                  <a:schemeClr val="accent2">
-                    <a:lumOff val="21764"/>
-                  </a:schemeClr>
+                  <a:srgbClr val="585858"/>
                 </a:solidFill>
               </a:defRPr>
             </a:pPr>
@@ -5827,18 +5787,14 @@
                 <a:spcPct val="115000"/>
               </a:lnSpc>
               <a:buClr>
-                <a:schemeClr val="accent2">
-                  <a:lumOff val="21764"/>
-                </a:schemeClr>
+                <a:srgbClr val="585858"/>
               </a:buClr>
               <a:buSzPts val="1800"/>
               <a:buFont typeface="Arial"/>
               <a:buChar char="●"/>
               <a:defRPr sz="1800">
                 <a:solidFill>
-                  <a:schemeClr val="accent2">
-                    <a:lumOff val="21764"/>
-                  </a:schemeClr>
+                  <a:srgbClr val="585858"/>
                 </a:solidFill>
               </a:defRPr>
             </a:pPr>
@@ -5852,18 +5808,14 @@
                 <a:spcPct val="115000"/>
               </a:lnSpc>
               <a:buClr>
-                <a:schemeClr val="accent2">
-                  <a:lumOff val="21764"/>
-                </a:schemeClr>
+                <a:srgbClr val="585858"/>
               </a:buClr>
               <a:buSzPts val="1800"/>
               <a:buFont typeface="Arial"/>
               <a:buChar char="●"/>
               <a:defRPr sz="1800">
                 <a:solidFill>
-                  <a:schemeClr val="accent2">
-                    <a:lumOff val="21764"/>
-                  </a:schemeClr>
+                  <a:srgbClr val="585858"/>
                 </a:solidFill>
               </a:defRPr>
             </a:pPr>
@@ -5877,18 +5829,14 @@
                 <a:spcPct val="115000"/>
               </a:lnSpc>
               <a:buClr>
-                <a:schemeClr val="accent2">
-                  <a:lumOff val="21764"/>
-                </a:schemeClr>
+                <a:srgbClr val="585858"/>
               </a:buClr>
               <a:buSzPts val="1800"/>
               <a:buFont typeface="Arial"/>
               <a:buChar char="●"/>
               <a:defRPr sz="1800">
                 <a:solidFill>
-                  <a:schemeClr val="accent2">
-                    <a:lumOff val="21764"/>
-                  </a:schemeClr>
+                  <a:srgbClr val="585858"/>
                 </a:solidFill>
               </a:defRPr>
             </a:pPr>
@@ -5935,7 +5883,7 @@
         <p:spPr>
           <a:xfrm>
             <a:off x="311699" y="445025"/>
-            <a:ext cx="8520602" cy="572701"/>
+            <a:ext cx="8520602" cy="572702"/>
           </a:xfrm>
           <a:prstGeom prst="rect">
             <a:avLst/>
@@ -6120,14 +6068,14 @@
     </a:clrScheme>
     <a:fontScheme name="Simple Light">
       <a:majorFont>
+        <a:latin typeface="Arial"/>
+        <a:ea typeface="Arial"/>
+        <a:cs typeface="Arial"/>
+      </a:majorFont>
+      <a:minorFont>
         <a:latin typeface="Helvetica"/>
         <a:ea typeface="Helvetica"/>
         <a:cs typeface="Helvetica"/>
-      </a:majorFont>
-      <a:minorFont>
-        <a:latin typeface="Arial"/>
-        <a:ea typeface="Arial"/>
-        <a:cs typeface="Arial"/>
       </a:minorFont>
     </a:fontScheme>
     <a:fmtScheme name="Simple Light">
@@ -6209,13 +6157,7 @@
           <a:effectLst/>
         </a:effectStyle>
         <a:effectStyle>
-          <a:effectLst>
-            <a:outerShdw sx="100000" sy="100000" kx="0" ky="0" algn="b" rotWithShape="0" blurRad="38100" dist="20000" dir="5400000">
-              <a:srgbClr val="000000">
-                <a:alpha val="38000"/>
-              </a:srgbClr>
-            </a:outerShdw>
-          </a:effectLst>
+          <a:effectLst/>
         </a:effectStyle>
       </a:effectStyleLst>
       <a:bgFillStyleLst>
@@ -6314,9 +6256,9 @@
             </a:solidFill>
             <a:effectLst/>
             <a:uFillTx/>
-            <a:latin typeface="+mn-lt"/>
-            <a:ea typeface="+mn-ea"/>
-            <a:cs typeface="+mn-cs"/>
+            <a:latin typeface="+mj-lt"/>
+            <a:ea typeface="+mj-ea"/>
+            <a:cs typeface="+mj-cs"/>
             <a:sym typeface="Arial"/>
           </a:defRPr>
         </a:defPPr>
@@ -6572,13 +6514,7 @@
           <a:prstDash val="solid"/>
           <a:round/>
         </a:ln>
-        <a:effectLst>
-          <a:outerShdw sx="100000" sy="100000" kx="0" ky="0" algn="b" rotWithShape="0" blurRad="38100" dist="20000" dir="5400000">
-            <a:srgbClr val="000000">
-              <a:alpha val="38000"/>
-            </a:srgbClr>
-          </a:outerShdw>
-        </a:effectLst>
+        <a:effectLst/>
         <a:sp3d/>
       </a:spPr>
       <a:bodyPr rot="0" spcFirstLastPara="1" vertOverflow="overflow" horzOverflow="overflow" vert="horz" wrap="square" lIns="91439" tIns="45719" rIns="91439" bIns="45719" numCol="1" spcCol="38100" rtlCol="0" anchor="t" upright="0">
@@ -6891,9 +6827,9 @@
             </a:solidFill>
             <a:effectLst/>
             <a:uFillTx/>
-            <a:latin typeface="+mn-lt"/>
-            <a:ea typeface="+mn-ea"/>
-            <a:cs typeface="+mn-cs"/>
+            <a:latin typeface="+mj-lt"/>
+            <a:ea typeface="+mj-ea"/>
+            <a:cs typeface="+mj-cs"/>
             <a:sym typeface="Arial"/>
           </a:defRPr>
         </a:defPPr>
@@ -7186,14 +7122,14 @@
     </a:clrScheme>
     <a:fontScheme name="Simple Light">
       <a:majorFont>
+        <a:latin typeface="Arial"/>
+        <a:ea typeface="Arial"/>
+        <a:cs typeface="Arial"/>
+      </a:majorFont>
+      <a:minorFont>
         <a:latin typeface="Helvetica"/>
         <a:ea typeface="Helvetica"/>
         <a:cs typeface="Helvetica"/>
-      </a:majorFont>
-      <a:minorFont>
-        <a:latin typeface="Arial"/>
-        <a:ea typeface="Arial"/>
-        <a:cs typeface="Arial"/>
       </a:minorFont>
     </a:fontScheme>
     <a:fmtScheme name="Simple Light">
@@ -7275,13 +7211,7 @@
           <a:effectLst/>
         </a:effectStyle>
         <a:effectStyle>
-          <a:effectLst>
-            <a:outerShdw sx="100000" sy="100000" kx="0" ky="0" algn="b" rotWithShape="0" blurRad="38100" dist="20000" dir="5400000">
-              <a:srgbClr val="000000">
-                <a:alpha val="38000"/>
-              </a:srgbClr>
-            </a:outerShdw>
-          </a:effectLst>
+          <a:effectLst/>
         </a:effectStyle>
       </a:effectStyleLst>
       <a:bgFillStyleLst>
@@ -7380,9 +7310,9 @@
             </a:solidFill>
             <a:effectLst/>
             <a:uFillTx/>
-            <a:latin typeface="+mn-lt"/>
-            <a:ea typeface="+mn-ea"/>
-            <a:cs typeface="+mn-cs"/>
+            <a:latin typeface="+mj-lt"/>
+            <a:ea typeface="+mj-ea"/>
+            <a:cs typeface="+mj-cs"/>
             <a:sym typeface="Arial"/>
           </a:defRPr>
         </a:defPPr>
@@ -7638,13 +7568,7 @@
           <a:prstDash val="solid"/>
           <a:round/>
         </a:ln>
-        <a:effectLst>
-          <a:outerShdw sx="100000" sy="100000" kx="0" ky="0" algn="b" rotWithShape="0" blurRad="38100" dist="20000" dir="5400000">
-            <a:srgbClr val="000000">
-              <a:alpha val="38000"/>
-            </a:srgbClr>
-          </a:outerShdw>
-        </a:effectLst>
+        <a:effectLst/>
         <a:sp3d/>
       </a:spPr>
       <a:bodyPr rot="0" spcFirstLastPara="1" vertOverflow="overflow" horzOverflow="overflow" vert="horz" wrap="square" lIns="91439" tIns="45719" rIns="91439" bIns="45719" numCol="1" spcCol="38100" rtlCol="0" anchor="t" upright="0">
@@ -7957,9 +7881,9 @@
             </a:solidFill>
             <a:effectLst/>
             <a:uFillTx/>
-            <a:latin typeface="+mn-lt"/>
-            <a:ea typeface="+mn-ea"/>
-            <a:cs typeface="+mn-cs"/>
+            <a:latin typeface="+mj-lt"/>
+            <a:ea typeface="+mj-ea"/>
+            <a:cs typeface="+mj-cs"/>
             <a:sym typeface="Arial"/>
           </a:defRPr>
         </a:defPPr>
